--- a/프로젝트계획서(ERD)이해니_금융라이브커머스.pptx
+++ b/프로젝트계획서(ERD)이해니_금융라이브커머스.pptx
@@ -276,7 +276,7 @@
           <a:p>
             <a:fld id="{809B9B38-F560-4835-ADA5-BB3DA7E9341F}" type="datetimeFigureOut">
               <a:rPr lang="ko-KR" altLang="en-US" smtClean="0"/>
-              <a:t>2021-07-02</a:t>
+              <a:t>2021-07-05</a:t>
             </a:fld>
             <a:endParaRPr lang="ko-KR" altLang="en-US" dirty="0"/>
           </a:p>
@@ -484,7 +484,7 @@
           <a:p>
             <a:fld id="{809B9B38-F560-4835-ADA5-BB3DA7E9341F}" type="datetimeFigureOut">
               <a:rPr lang="ko-KR" altLang="en-US" smtClean="0"/>
-              <a:t>2021-07-02</a:t>
+              <a:t>2021-07-05</a:t>
             </a:fld>
             <a:endParaRPr lang="ko-KR" altLang="en-US" dirty="0"/>
           </a:p>
@@ -809,7 +809,7 @@
           <a:p>
             <a:fld id="{809B9B38-F560-4835-ADA5-BB3DA7E9341F}" type="datetimeFigureOut">
               <a:rPr lang="ko-KR" altLang="en-US" smtClean="0"/>
-              <a:t>2021-07-02</a:t>
+              <a:t>2021-07-05</a:t>
             </a:fld>
             <a:endParaRPr lang="ko-KR" altLang="en-US" dirty="0"/>
           </a:p>
@@ -1221,7 +1221,7 @@
           <a:p>
             <a:fld id="{809B9B38-F560-4835-ADA5-BB3DA7E9341F}" type="datetimeFigureOut">
               <a:rPr lang="ko-KR" altLang="en-US" smtClean="0"/>
-              <a:t>2021-07-02</a:t>
+              <a:t>2021-07-05</a:t>
             </a:fld>
             <a:endParaRPr lang="ko-KR" altLang="en-US" dirty="0"/>
           </a:p>
@@ -1362,7 +1362,7 @@
           <a:p>
             <a:fld id="{809B9B38-F560-4835-ADA5-BB3DA7E9341F}" type="datetimeFigureOut">
               <a:rPr lang="ko-KR" altLang="en-US" smtClean="0"/>
-              <a:t>2021-07-02</a:t>
+              <a:t>2021-07-05</a:t>
             </a:fld>
             <a:endParaRPr lang="ko-KR" altLang="en-US" dirty="0"/>
           </a:p>
@@ -1475,7 +1475,7 @@
           <a:p>
             <a:fld id="{809B9B38-F560-4835-ADA5-BB3DA7E9341F}" type="datetimeFigureOut">
               <a:rPr lang="ko-KR" altLang="en-US" smtClean="0"/>
-              <a:t>2021-07-02</a:t>
+              <a:t>2021-07-05</a:t>
             </a:fld>
             <a:endParaRPr lang="ko-KR" altLang="en-US" dirty="0"/>
           </a:p>
@@ -1786,7 +1786,7 @@
           <a:p>
             <a:fld id="{809B9B38-F560-4835-ADA5-BB3DA7E9341F}" type="datetimeFigureOut">
               <a:rPr lang="ko-KR" altLang="en-US" smtClean="0"/>
-              <a:t>2021-07-02</a:t>
+              <a:t>2021-07-05</a:t>
             </a:fld>
             <a:endParaRPr lang="ko-KR" altLang="en-US" dirty="0"/>
           </a:p>
@@ -2074,7 +2074,7 @@
           <a:p>
             <a:fld id="{809B9B38-F560-4835-ADA5-BB3DA7E9341F}" type="datetimeFigureOut">
               <a:rPr lang="ko-KR" altLang="en-US" smtClean="0"/>
-              <a:t>2021-07-02</a:t>
+              <a:t>2021-07-05</a:t>
             </a:fld>
             <a:endParaRPr lang="ko-KR" altLang="en-US" dirty="0"/>
           </a:p>
@@ -2315,7 +2315,7 @@
           <a:p>
             <a:fld id="{809B9B38-F560-4835-ADA5-BB3DA7E9341F}" type="datetimeFigureOut">
               <a:rPr lang="ko-KR" altLang="en-US" smtClean="0"/>
-              <a:t>2021-07-02</a:t>
+              <a:t>2021-07-05</a:t>
             </a:fld>
             <a:endParaRPr lang="ko-KR" altLang="en-US" dirty="0"/>
           </a:p>
@@ -3115,13 +3115,13 @@
           <p:nvPr>
             <p:extLst>
               <p:ext uri="{D42A27DB-BD31-4B8C-83A1-F6EECF244321}">
-                <p14:modId xmlns:p14="http://schemas.microsoft.com/office/powerpoint/2010/main" val="2617792774"/>
+                <p14:modId xmlns:p14="http://schemas.microsoft.com/office/powerpoint/2010/main" val="4261775949"/>
               </p:ext>
             </p:extLst>
           </p:nvPr>
         </p:nvGraphicFramePr>
         <p:xfrm>
-          <a:off x="440669" y="1020456"/>
+          <a:off x="440669" y="876074"/>
           <a:ext cx="6096000" cy="1483360"/>
         </p:xfrm>
         <a:graphic>
@@ -3277,7 +3277,10 @@
                     <a:lstStyle/>
                     <a:p>
                       <a:pPr latinLnBrk="1"/>
-                      <a:endParaRPr lang="ko-KR" altLang="en-US" dirty="0"/>
+                      <a:r>
+                        <a:rPr lang="ko-KR" altLang="en-US" dirty="0"/>
+                        <a:t>쪼갤 수 없는 단위</a:t>
+                      </a:r>
                     </a:p>
                   </a:txBody>
                   <a:tcPr/>
@@ -3325,7 +3328,18 @@
                     <a:lstStyle/>
                     <a:p>
                       <a:pPr latinLnBrk="1"/>
-                      <a:endParaRPr lang="ko-KR" altLang="en-US" dirty="0"/>
+                      <a:r>
+                        <a:rPr lang="ko-KR" altLang="en-US" dirty="0"/>
+                        <a:t>연관성</a:t>
+                      </a:r>
+                      <a:r>
+                        <a:rPr lang="en-US" altLang="ko-KR" dirty="0"/>
+                        <a:t>, </a:t>
+                      </a:r>
+                      <a:r>
+                        <a:rPr lang="ko-KR" altLang="en-US" dirty="0"/>
+                        <a:t>관계</a:t>
+                      </a:r>
                     </a:p>
                   </a:txBody>
                   <a:tcPr/>
@@ -3484,6 +3498,670 @@
           </a:p>
         </p:txBody>
       </p:sp>
+      <p:graphicFrame>
+        <p:nvGraphicFramePr>
+          <p:cNvPr id="3" name="표 3">
+            <a:extLst>
+              <a:ext uri="{FF2B5EF4-FFF2-40B4-BE49-F238E27FC236}">
+                <a16:creationId xmlns:a16="http://schemas.microsoft.com/office/drawing/2014/main" id="{F8D14FFB-9135-4FAF-9AED-910E63F846F5}"/>
+              </a:ext>
+            </a:extLst>
+          </p:cNvPr>
+          <p:cNvGraphicFramePr>
+            <a:graphicFrameLocks noGrp="1"/>
+          </p:cNvGraphicFramePr>
+          <p:nvPr>
+            <p:extLst>
+              <p:ext uri="{D42A27DB-BD31-4B8C-83A1-F6EECF244321}">
+                <p14:modId xmlns:p14="http://schemas.microsoft.com/office/powerpoint/2010/main" val="2368001851"/>
+              </p:ext>
+            </p:extLst>
+          </p:nvPr>
+        </p:nvGraphicFramePr>
+        <p:xfrm>
+          <a:off x="3764547" y="2802714"/>
+          <a:ext cx="8128001" cy="3144520"/>
+        </p:xfrm>
+        <a:graphic>
+          <a:graphicData uri="http://schemas.openxmlformats.org/drawingml/2006/table">
+            <a:tbl>
+              <a:tblPr firstRow="1" bandRow="1">
+                <a:tableStyleId>{5C22544A-7EE6-4342-B048-85BDC9FD1C3A}</a:tableStyleId>
+              </a:tblPr>
+              <a:tblGrid>
+                <a:gridCol w="482600">
+                  <a:extLst>
+                    <a:ext uri="{9D8B030D-6E8A-4147-A177-3AD203B41FA5}">
+                      <a16:colId xmlns:a16="http://schemas.microsoft.com/office/drawing/2014/main" val="3479680749"/>
+                    </a:ext>
+                  </a:extLst>
+                </a:gridCol>
+                <a:gridCol w="2548467">
+                  <a:extLst>
+                    <a:ext uri="{9D8B030D-6E8A-4147-A177-3AD203B41FA5}">
+                      <a16:colId xmlns:a16="http://schemas.microsoft.com/office/drawing/2014/main" val="582628319"/>
+                    </a:ext>
+                  </a:extLst>
+                </a:gridCol>
+                <a:gridCol w="2548467">
+                  <a:extLst>
+                    <a:ext uri="{9D8B030D-6E8A-4147-A177-3AD203B41FA5}">
+                      <a16:colId xmlns:a16="http://schemas.microsoft.com/office/drawing/2014/main" val="927414362"/>
+                    </a:ext>
+                  </a:extLst>
+                </a:gridCol>
+                <a:gridCol w="2548467">
+                  <a:extLst>
+                    <a:ext uri="{9D8B030D-6E8A-4147-A177-3AD203B41FA5}">
+                      <a16:colId xmlns:a16="http://schemas.microsoft.com/office/drawing/2014/main" val="2944193007"/>
+                    </a:ext>
+                  </a:extLst>
+                </a:gridCol>
+              </a:tblGrid>
+              <a:tr h="370840">
+                <a:tc>
+                  <a:txBody>
+                    <a:bodyPr/>
+                    <a:lstStyle/>
+                    <a:p>
+                      <a:pPr algn="ctr" latinLnBrk="1"/>
+                      <a:endParaRPr lang="ko-KR" altLang="en-US" sz="1000" dirty="0"/>
+                    </a:p>
+                  </a:txBody>
+                  <a:tcPr anchor="ctr"/>
+                </a:tc>
+                <a:tc>
+                  <a:txBody>
+                    <a:bodyPr/>
+                    <a:lstStyle/>
+                    <a:p>
+                      <a:pPr algn="ctr" latinLnBrk="1"/>
+                      <a:r>
+                        <a:rPr lang="en-US" altLang="ko-KR" sz="1000" dirty="0"/>
+                        <a:t>Entity</a:t>
+                      </a:r>
+                      <a:endParaRPr lang="ko-KR" altLang="en-US" sz="1000" dirty="0"/>
+                    </a:p>
+                  </a:txBody>
+                  <a:tcPr anchor="ctr"/>
+                </a:tc>
+                <a:tc>
+                  <a:txBody>
+                    <a:bodyPr/>
+                    <a:lstStyle/>
+                    <a:p>
+                      <a:pPr algn="ctr" latinLnBrk="1"/>
+                      <a:r>
+                        <a:rPr lang="en-US" altLang="ko-KR" sz="1000" dirty="0"/>
+                        <a:t>Attribute</a:t>
+                      </a:r>
+                      <a:endParaRPr lang="ko-KR" altLang="en-US" sz="1000" dirty="0"/>
+                    </a:p>
+                  </a:txBody>
+                  <a:tcPr anchor="ctr"/>
+                </a:tc>
+                <a:tc>
+                  <a:txBody>
+                    <a:bodyPr/>
+                    <a:lstStyle/>
+                    <a:p>
+                      <a:pPr algn="ctr" latinLnBrk="1"/>
+                      <a:r>
+                        <a:rPr lang="en-US" altLang="ko-KR" sz="1000" dirty="0"/>
+                        <a:t>Relationship</a:t>
+                      </a:r>
+                      <a:endParaRPr lang="ko-KR" altLang="en-US" sz="1000" dirty="0"/>
+                    </a:p>
+                  </a:txBody>
+                  <a:tcPr anchor="ctr"/>
+                </a:tc>
+                <a:extLst>
+                  <a:ext uri="{0D108BD9-81ED-4DB2-BD59-A6C34878D82A}">
+                    <a16:rowId xmlns:a16="http://schemas.microsoft.com/office/drawing/2014/main" val="2290521972"/>
+                  </a:ext>
+                </a:extLst>
+              </a:tr>
+              <a:tr h="370840">
+                <a:tc>
+                  <a:txBody>
+                    <a:bodyPr/>
+                    <a:lstStyle/>
+                    <a:p>
+                      <a:pPr algn="ctr" latinLnBrk="1"/>
+                      <a:r>
+                        <a:rPr lang="en-US" altLang="ko-KR" sz="1000" dirty="0"/>
+                        <a:t>1</a:t>
+                      </a:r>
+                      <a:endParaRPr lang="ko-KR" altLang="en-US" sz="1000" dirty="0"/>
+                    </a:p>
+                  </a:txBody>
+                  <a:tcPr anchor="ctr"/>
+                </a:tc>
+                <a:tc>
+                  <a:txBody>
+                    <a:bodyPr/>
+                    <a:lstStyle/>
+                    <a:p>
+                      <a:pPr algn="ctr" latinLnBrk="1"/>
+                      <a:r>
+                        <a:rPr lang="ko-KR" altLang="en-US" sz="1000" dirty="0"/>
+                        <a:t>회원</a:t>
+                      </a:r>
+                    </a:p>
+                  </a:txBody>
+                  <a:tcPr anchor="ctr"/>
+                </a:tc>
+                <a:tc>
+                  <a:txBody>
+                    <a:bodyPr/>
+                    <a:lstStyle/>
+                    <a:p>
+                      <a:pPr algn="ctr" latinLnBrk="1"/>
+                      <a:r>
+                        <a:rPr lang="ko-KR" altLang="en-US" sz="1000" dirty="0"/>
+                        <a:t>아이디</a:t>
+                      </a:r>
+                      <a:r>
+                        <a:rPr lang="en-US" altLang="ko-KR" sz="1000" dirty="0"/>
+                        <a:t>, </a:t>
+                      </a:r>
+                      <a:r>
+                        <a:rPr lang="ko-KR" altLang="en-US" sz="1000" dirty="0"/>
+                        <a:t>비밀번호</a:t>
+                      </a:r>
+                      <a:r>
+                        <a:rPr lang="en-US" altLang="ko-KR" sz="1000" dirty="0"/>
+                        <a:t>, </a:t>
+                      </a:r>
+                      <a:r>
+                        <a:rPr lang="ko-KR" altLang="en-US" sz="1000" dirty="0"/>
+                        <a:t>가입일</a:t>
+                      </a:r>
+                      <a:r>
+                        <a:rPr lang="en-US" altLang="ko-KR" sz="1000" dirty="0"/>
+                        <a:t>, </a:t>
+                      </a:r>
+                      <a:r>
+                        <a:rPr lang="ko-KR" altLang="en-US" sz="1000" dirty="0"/>
+                        <a:t>유형</a:t>
+                      </a:r>
+                    </a:p>
+                  </a:txBody>
+                  <a:tcPr anchor="ctr"/>
+                </a:tc>
+                <a:tc>
+                  <a:txBody>
+                    <a:bodyPr/>
+                    <a:lstStyle/>
+                    <a:p>
+                      <a:pPr algn="ctr" latinLnBrk="1"/>
+                      <a:endParaRPr lang="ko-KR" altLang="en-US" sz="1000" dirty="0"/>
+                    </a:p>
+                  </a:txBody>
+                  <a:tcPr anchor="ctr"/>
+                </a:tc>
+                <a:extLst>
+                  <a:ext uri="{0D108BD9-81ED-4DB2-BD59-A6C34878D82A}">
+                    <a16:rowId xmlns:a16="http://schemas.microsoft.com/office/drawing/2014/main" val="269553044"/>
+                  </a:ext>
+                </a:extLst>
+              </a:tr>
+              <a:tr h="370840">
+                <a:tc>
+                  <a:txBody>
+                    <a:bodyPr/>
+                    <a:lstStyle/>
+                    <a:p>
+                      <a:pPr algn="ctr" latinLnBrk="1"/>
+                      <a:r>
+                        <a:rPr lang="en-US" altLang="ko-KR" sz="1000" dirty="0"/>
+                        <a:t>2</a:t>
+                      </a:r>
+                      <a:endParaRPr lang="ko-KR" altLang="en-US" sz="1000" dirty="0"/>
+                    </a:p>
+                  </a:txBody>
+                  <a:tcPr anchor="ctr"/>
+                </a:tc>
+                <a:tc>
+                  <a:txBody>
+                    <a:bodyPr/>
+                    <a:lstStyle/>
+                    <a:p>
+                      <a:pPr algn="ctr" latinLnBrk="1"/>
+                      <a:r>
+                        <a:rPr lang="ko-KR" altLang="en-US" sz="1000" dirty="0"/>
+                        <a:t>방송</a:t>
+                      </a:r>
+                    </a:p>
+                  </a:txBody>
+                  <a:tcPr anchor="ctr"/>
+                </a:tc>
+                <a:tc>
+                  <a:txBody>
+                    <a:bodyPr/>
+                    <a:lstStyle/>
+                    <a:p>
+                      <a:pPr algn="ctr" latinLnBrk="1"/>
+                      <a:r>
+                        <a:rPr lang="ko-KR" altLang="en-US" sz="1000" dirty="0"/>
+                        <a:t>시퀀스</a:t>
+                      </a:r>
+                      <a:r>
+                        <a:rPr lang="en-US" altLang="ko-KR" sz="1000" dirty="0"/>
+                        <a:t>, </a:t>
+                      </a:r>
+                      <a:r>
+                        <a:rPr lang="ko-KR" altLang="en-US" sz="1000" dirty="0"/>
+                        <a:t>방송예정일</a:t>
+                      </a:r>
+                      <a:r>
+                        <a:rPr lang="en-US" altLang="ko-KR" sz="1000" dirty="0"/>
+                        <a:t>, </a:t>
+                      </a:r>
+                      <a:r>
+                        <a:rPr lang="ko-KR" altLang="en-US" sz="1000" dirty="0"/>
+                        <a:t>제목</a:t>
+                      </a:r>
+                      <a:r>
+                        <a:rPr lang="en-US" altLang="ko-KR" sz="1000" dirty="0"/>
+                        <a:t>, </a:t>
+                      </a:r>
+                      <a:r>
+                        <a:rPr lang="ko-KR" altLang="en-US" sz="1000" dirty="0"/>
+                        <a:t>소개</a:t>
+                      </a:r>
+                      <a:r>
+                        <a:rPr lang="en-US" altLang="ko-KR" sz="1000" dirty="0"/>
+                        <a:t>, </a:t>
+                      </a:r>
+                      <a:r>
+                        <a:rPr lang="ko-KR" altLang="en-US" sz="1000" dirty="0"/>
+                        <a:t>판매자</a:t>
+                      </a:r>
+                      <a:endParaRPr lang="en-US" altLang="ko-KR" sz="1000" dirty="0"/>
+                    </a:p>
+                    <a:p>
+                      <a:pPr algn="ctr" latinLnBrk="1"/>
+                      <a:r>
+                        <a:rPr lang="en-US" altLang="ko-KR" sz="1000" dirty="0"/>
+                        <a:t>, </a:t>
+                      </a:r>
+                      <a:r>
+                        <a:rPr lang="ko-KR" altLang="en-US" sz="1000" dirty="0"/>
+                        <a:t>판매상품 링크</a:t>
+                      </a:r>
+                      <a:r>
+                        <a:rPr lang="en-US" altLang="ko-KR" sz="1000" dirty="0"/>
+                        <a:t> or </a:t>
+                      </a:r>
+                      <a:r>
+                        <a:rPr lang="ko-KR" altLang="en-US" sz="1000" dirty="0"/>
+                        <a:t>판매상품 시퀀스</a:t>
+                      </a:r>
+                      <a:endParaRPr lang="en-US" altLang="ko-KR" sz="1000" dirty="0"/>
+                    </a:p>
+                    <a:p>
+                      <a:pPr algn="ctr" latinLnBrk="1"/>
+                      <a:r>
+                        <a:rPr lang="en-US" altLang="ko-KR" sz="1000" dirty="0"/>
+                        <a:t>, </a:t>
+                      </a:r>
+                      <a:r>
+                        <a:rPr lang="ko-KR" altLang="en-US" sz="1000" dirty="0"/>
+                        <a:t>실시간 채팅 시퀀스</a:t>
+                      </a:r>
+                    </a:p>
+                  </a:txBody>
+                  <a:tcPr anchor="ctr"/>
+                </a:tc>
+                <a:tc>
+                  <a:txBody>
+                    <a:bodyPr/>
+                    <a:lstStyle/>
+                    <a:p>
+                      <a:pPr algn="ctr" latinLnBrk="1"/>
+                      <a:endParaRPr lang="ko-KR" altLang="en-US" sz="1000" dirty="0"/>
+                    </a:p>
+                  </a:txBody>
+                  <a:tcPr anchor="ctr"/>
+                </a:tc>
+                <a:extLst>
+                  <a:ext uri="{0D108BD9-81ED-4DB2-BD59-A6C34878D82A}">
+                    <a16:rowId xmlns:a16="http://schemas.microsoft.com/office/drawing/2014/main" val="413014564"/>
+                  </a:ext>
+                </a:extLst>
+              </a:tr>
+              <a:tr h="370840">
+                <a:tc>
+                  <a:txBody>
+                    <a:bodyPr/>
+                    <a:lstStyle/>
+                    <a:p>
+                      <a:pPr algn="ctr" latinLnBrk="1"/>
+                      <a:r>
+                        <a:rPr lang="en-US" altLang="ko-KR" sz="1000" dirty="0"/>
+                        <a:t>3</a:t>
+                      </a:r>
+                      <a:endParaRPr lang="ko-KR" altLang="en-US" sz="1000" dirty="0"/>
+                    </a:p>
+                  </a:txBody>
+                  <a:tcPr anchor="ctr"/>
+                </a:tc>
+                <a:tc>
+                  <a:txBody>
+                    <a:bodyPr/>
+                    <a:lstStyle/>
+                    <a:p>
+                      <a:pPr algn="ctr" latinLnBrk="1"/>
+                      <a:r>
+                        <a:rPr lang="ko-KR" altLang="en-US" sz="1000" dirty="0"/>
+                        <a:t>채팅</a:t>
+                      </a:r>
+                    </a:p>
+                  </a:txBody>
+                  <a:tcPr anchor="ctr"/>
+                </a:tc>
+                <a:tc>
+                  <a:txBody>
+                    <a:bodyPr/>
+                    <a:lstStyle/>
+                    <a:p>
+                      <a:pPr algn="ctr" latinLnBrk="1"/>
+                      <a:r>
+                        <a:rPr lang="ko-KR" altLang="en-US" sz="1000" dirty="0"/>
+                        <a:t>시퀀스</a:t>
+                      </a:r>
+                      <a:r>
+                        <a:rPr lang="en-US" altLang="ko-KR" sz="1000" dirty="0"/>
+                        <a:t>, ID, </a:t>
+                      </a:r>
+                      <a:r>
+                        <a:rPr lang="ko-KR" altLang="en-US" sz="1000" dirty="0"/>
+                        <a:t>시간</a:t>
+                      </a:r>
+                      <a:r>
+                        <a:rPr lang="en-US" altLang="ko-KR" sz="1000" dirty="0"/>
+                        <a:t>, </a:t>
+                      </a:r>
+                      <a:r>
+                        <a:rPr lang="ko-KR" altLang="en-US" sz="1000" dirty="0"/>
+                        <a:t>내용</a:t>
+                      </a:r>
+                    </a:p>
+                  </a:txBody>
+                  <a:tcPr anchor="ctr"/>
+                </a:tc>
+                <a:tc>
+                  <a:txBody>
+                    <a:bodyPr/>
+                    <a:lstStyle/>
+                    <a:p>
+                      <a:pPr algn="ctr" latinLnBrk="1"/>
+                      <a:endParaRPr lang="ko-KR" altLang="en-US" sz="1000" dirty="0"/>
+                    </a:p>
+                  </a:txBody>
+                  <a:tcPr anchor="ctr"/>
+                </a:tc>
+                <a:extLst>
+                  <a:ext uri="{0D108BD9-81ED-4DB2-BD59-A6C34878D82A}">
+                    <a16:rowId xmlns:a16="http://schemas.microsoft.com/office/drawing/2014/main" val="1442481553"/>
+                  </a:ext>
+                </a:extLst>
+              </a:tr>
+              <a:tr h="370840">
+                <a:tc>
+                  <a:txBody>
+                    <a:bodyPr/>
+                    <a:lstStyle/>
+                    <a:p>
+                      <a:pPr algn="ctr" latinLnBrk="1"/>
+                      <a:r>
+                        <a:rPr lang="en-US" altLang="ko-KR" sz="1000" dirty="0"/>
+                        <a:t>4</a:t>
+                      </a:r>
+                      <a:endParaRPr lang="ko-KR" altLang="en-US" sz="1000" dirty="0"/>
+                    </a:p>
+                  </a:txBody>
+                  <a:tcPr anchor="ctr"/>
+                </a:tc>
+                <a:tc>
+                  <a:txBody>
+                    <a:bodyPr/>
+                    <a:lstStyle/>
+                    <a:p>
+                      <a:pPr algn="ctr" latinLnBrk="1"/>
+                      <a:r>
+                        <a:rPr lang="ko-KR" altLang="en-US" sz="1000" dirty="0"/>
+                        <a:t>판매상품</a:t>
+                      </a:r>
+                    </a:p>
+                  </a:txBody>
+                  <a:tcPr anchor="ctr"/>
+                </a:tc>
+                <a:tc>
+                  <a:txBody>
+                    <a:bodyPr/>
+                    <a:lstStyle/>
+                    <a:p>
+                      <a:pPr algn="ctr" latinLnBrk="1"/>
+                      <a:r>
+                        <a:rPr lang="ko-KR" altLang="en-US" sz="1000" dirty="0"/>
+                        <a:t>시퀀스</a:t>
+                      </a:r>
+                      <a:r>
+                        <a:rPr lang="en-US" altLang="ko-KR" sz="1000" dirty="0"/>
+                        <a:t>,  </a:t>
+                      </a:r>
+                      <a:r>
+                        <a:rPr lang="ko-KR" altLang="en-US" sz="1000" dirty="0"/>
+                        <a:t>링크</a:t>
+                      </a:r>
+                      <a:r>
+                        <a:rPr lang="en-US" altLang="ko-KR" sz="1000" dirty="0"/>
+                        <a:t>, </a:t>
+                      </a:r>
+                      <a:r>
+                        <a:rPr lang="ko-KR" altLang="en-US" sz="1000" dirty="0"/>
+                        <a:t>상품명</a:t>
+                      </a:r>
+                      <a:r>
+                        <a:rPr lang="en-US" altLang="ko-KR" sz="1000" dirty="0"/>
+                        <a:t>, </a:t>
+                      </a:r>
+                      <a:r>
+                        <a:rPr lang="ko-KR" altLang="en-US" sz="1000" dirty="0"/>
+                        <a:t>상품소개</a:t>
+                      </a:r>
+                    </a:p>
+                  </a:txBody>
+                  <a:tcPr anchor="ctr"/>
+                </a:tc>
+                <a:tc>
+                  <a:txBody>
+                    <a:bodyPr/>
+                    <a:lstStyle/>
+                    <a:p>
+                      <a:pPr algn="ctr" latinLnBrk="1"/>
+                      <a:endParaRPr lang="ko-KR" altLang="en-US" sz="1000"/>
+                    </a:p>
+                  </a:txBody>
+                  <a:tcPr anchor="ctr"/>
+                </a:tc>
+                <a:extLst>
+                  <a:ext uri="{0D108BD9-81ED-4DB2-BD59-A6C34878D82A}">
+                    <a16:rowId xmlns:a16="http://schemas.microsoft.com/office/drawing/2014/main" val="631125906"/>
+                  </a:ext>
+                </a:extLst>
+              </a:tr>
+              <a:tr h="370840">
+                <a:tc>
+                  <a:txBody>
+                    <a:bodyPr/>
+                    <a:lstStyle/>
+                    <a:p>
+                      <a:pPr algn="ctr" latinLnBrk="1"/>
+                      <a:r>
+                        <a:rPr lang="en-US" altLang="ko-KR" sz="1000" dirty="0"/>
+                        <a:t>5</a:t>
+                      </a:r>
+                      <a:endParaRPr lang="ko-KR" altLang="en-US" sz="1000" dirty="0"/>
+                    </a:p>
+                  </a:txBody>
+                  <a:tcPr anchor="ctr"/>
+                </a:tc>
+                <a:tc>
+                  <a:txBody>
+                    <a:bodyPr/>
+                    <a:lstStyle/>
+                    <a:p>
+                      <a:pPr algn="ctr" latinLnBrk="1"/>
+                      <a:endParaRPr lang="ko-KR" altLang="en-US" sz="1000" dirty="0"/>
+                    </a:p>
+                  </a:txBody>
+                  <a:tcPr anchor="ctr"/>
+                </a:tc>
+                <a:tc>
+                  <a:txBody>
+                    <a:bodyPr/>
+                    <a:lstStyle/>
+                    <a:p>
+                      <a:pPr algn="ctr" latinLnBrk="1"/>
+                      <a:endParaRPr lang="ko-KR" altLang="en-US" sz="1000" dirty="0"/>
+                    </a:p>
+                  </a:txBody>
+                  <a:tcPr anchor="ctr"/>
+                </a:tc>
+                <a:tc>
+                  <a:txBody>
+                    <a:bodyPr/>
+                    <a:lstStyle/>
+                    <a:p>
+                      <a:pPr algn="ctr" latinLnBrk="1"/>
+                      <a:endParaRPr lang="ko-KR" altLang="en-US" sz="1000" dirty="0"/>
+                    </a:p>
+                  </a:txBody>
+                  <a:tcPr anchor="ctr"/>
+                </a:tc>
+                <a:extLst>
+                  <a:ext uri="{0D108BD9-81ED-4DB2-BD59-A6C34878D82A}">
+                    <a16:rowId xmlns:a16="http://schemas.microsoft.com/office/drawing/2014/main" val="2049477706"/>
+                  </a:ext>
+                </a:extLst>
+              </a:tr>
+              <a:tr h="370840">
+                <a:tc>
+                  <a:txBody>
+                    <a:bodyPr/>
+                    <a:lstStyle/>
+                    <a:p>
+                      <a:pPr algn="ctr" latinLnBrk="1"/>
+                      <a:r>
+                        <a:rPr lang="en-US" altLang="ko-KR" sz="1000" dirty="0"/>
+                        <a:t>6</a:t>
+                      </a:r>
+                      <a:endParaRPr lang="ko-KR" altLang="en-US" sz="1000" dirty="0"/>
+                    </a:p>
+                  </a:txBody>
+                  <a:tcPr anchor="ctr"/>
+                </a:tc>
+                <a:tc>
+                  <a:txBody>
+                    <a:bodyPr/>
+                    <a:lstStyle/>
+                    <a:p>
+                      <a:pPr algn="ctr" latinLnBrk="1"/>
+                      <a:endParaRPr lang="ko-KR" altLang="en-US" sz="1000" dirty="0"/>
+                    </a:p>
+                  </a:txBody>
+                  <a:tcPr anchor="ctr"/>
+                </a:tc>
+                <a:tc>
+                  <a:txBody>
+                    <a:bodyPr/>
+                    <a:lstStyle/>
+                    <a:p>
+                      <a:pPr algn="ctr" latinLnBrk="1"/>
+                      <a:endParaRPr lang="ko-KR" altLang="en-US" sz="1000" dirty="0"/>
+                    </a:p>
+                  </a:txBody>
+                  <a:tcPr anchor="ctr"/>
+                </a:tc>
+                <a:tc>
+                  <a:txBody>
+                    <a:bodyPr/>
+                    <a:lstStyle/>
+                    <a:p>
+                      <a:pPr algn="ctr" latinLnBrk="1"/>
+                      <a:endParaRPr lang="ko-KR" altLang="en-US" sz="1000" dirty="0"/>
+                    </a:p>
+                  </a:txBody>
+                  <a:tcPr anchor="ctr"/>
+                </a:tc>
+                <a:extLst>
+                  <a:ext uri="{0D108BD9-81ED-4DB2-BD59-A6C34878D82A}">
+                    <a16:rowId xmlns:a16="http://schemas.microsoft.com/office/drawing/2014/main" val="3390567414"/>
+                  </a:ext>
+                </a:extLst>
+              </a:tr>
+              <a:tr h="370840">
+                <a:tc>
+                  <a:txBody>
+                    <a:bodyPr/>
+                    <a:lstStyle/>
+                    <a:p>
+                      <a:pPr algn="ctr" latinLnBrk="1"/>
+                      <a:r>
+                        <a:rPr lang="en-US" altLang="ko-KR" sz="1000" dirty="0"/>
+                        <a:t>7</a:t>
+                      </a:r>
+                      <a:endParaRPr lang="ko-KR" altLang="en-US" sz="1000" dirty="0"/>
+                    </a:p>
+                  </a:txBody>
+                  <a:tcPr anchor="ctr"/>
+                </a:tc>
+                <a:tc>
+                  <a:txBody>
+                    <a:bodyPr/>
+                    <a:lstStyle/>
+                    <a:p>
+                      <a:pPr algn="ctr" latinLnBrk="1"/>
+                      <a:endParaRPr lang="ko-KR" altLang="en-US" sz="1000"/>
+                    </a:p>
+                  </a:txBody>
+                  <a:tcPr anchor="ctr"/>
+                </a:tc>
+                <a:tc>
+                  <a:txBody>
+                    <a:bodyPr/>
+                    <a:lstStyle/>
+                    <a:p>
+                      <a:pPr algn="ctr" latinLnBrk="1"/>
+                      <a:endParaRPr lang="ko-KR" altLang="en-US" sz="1000" dirty="0"/>
+                    </a:p>
+                  </a:txBody>
+                  <a:tcPr anchor="ctr"/>
+                </a:tc>
+                <a:tc>
+                  <a:txBody>
+                    <a:bodyPr/>
+                    <a:lstStyle/>
+                    <a:p>
+                      <a:pPr algn="ctr" latinLnBrk="1"/>
+                      <a:endParaRPr lang="ko-KR" altLang="en-US" sz="1000" dirty="0"/>
+                    </a:p>
+                  </a:txBody>
+                  <a:tcPr anchor="ctr"/>
+                </a:tc>
+                <a:extLst>
+                  <a:ext uri="{0D108BD9-81ED-4DB2-BD59-A6C34878D82A}">
+                    <a16:rowId xmlns:a16="http://schemas.microsoft.com/office/drawing/2014/main" val="2254222617"/>
+                  </a:ext>
+                </a:extLst>
+              </a:tr>
+            </a:tbl>
+          </a:graphicData>
+        </a:graphic>
+      </p:graphicFrame>
     </p:spTree>
     <p:extLst>
       <p:ext uri="{BB962C8B-B14F-4D97-AF65-F5344CB8AC3E}">
